--- a/NitiNMishra/Presentation/FutureCart_Group_Presentation.pptx
+++ b/NitiNMishra/Presentation/FutureCart_Group_Presentation.pptx
@@ -19382,7 +19382,7 @@
             </a:pPr>
             <a:r>
               <a:rPr lang="en" dirty="0"/>
-              <a:t>AI-DRIVEN </a:t>
+              <a:t>FUTURECART:AI-DRIVEN </a:t>
             </a:r>
             <a:r>
               <a:rPr lang="en" dirty="0">
